--- a/en/ProgrammingLessons/beginner/scratch-Ultrasonic.pptx
+++ b/en/ProgrammingLessons/beginner/scratch-Ultrasonic.pptx
@@ -222,7 +222,7 @@
           <a:p>
             <a:fld id="{F8D9B3D7-15CB-9343-AA49-EFB5A8F33F18}" type="datetimeFigureOut">
               <a:rPr lang="en-US" smtClean="0"/>
-              <a:t>12/21/19</a:t>
+              <a:t>12/25/19</a:t>
             </a:fld>
             <a:endParaRPr lang="en-US"/>
           </a:p>
@@ -388,7 +388,7 @@
           <a:p>
             <a:fld id="{FD3EFF1E-85A1-6640-AFB9-C38833E80A84}" type="datetimeFigureOut">
               <a:rPr lang="en-US" smtClean="0"/>
-              <a:t>12/21/19</a:t>
+              <a:t>12/25/19</a:t>
             </a:fld>
             <a:endParaRPr lang="en-US"/>
           </a:p>
@@ -1794,35 +1794,6 @@
           </a:p>
         </p:txBody>
       </p:sp>
-      <p:pic>
-        <p:nvPicPr>
-          <p:cNvPr id="4" name="Picture 3" descr="A picture containing drawing&#10;&#10;Description automatically generated">
-            <a:extLst>
-              <a:ext uri="{FF2B5EF4-FFF2-40B4-BE49-F238E27FC236}">
-                <a16:creationId xmlns:a16="http://schemas.microsoft.com/office/drawing/2014/main" id="{3EA518CD-A629-9A46-823D-DF08536CA638}"/>
-              </a:ext>
-            </a:extLst>
-          </p:cNvPr>
-          <p:cNvPicPr>
-            <a:picLocks noChangeAspect="1"/>
-          </p:cNvPicPr>
-          <p:nvPr userDrawn="1"/>
-        </p:nvPicPr>
-        <p:blipFill rotWithShape="1">
-          <a:blip r:embed="rId2"/>
-          <a:srcRect l="1617" t="7031" r="4033" b="8124"/>
-          <a:stretch/>
-        </p:blipFill>
-        <p:spPr>
-          <a:xfrm>
-            <a:off x="89513" y="25985"/>
-            <a:ext cx="8627349" cy="3250097"/>
-          </a:xfrm>
-          <a:prstGeom prst="rect">
-            <a:avLst/>
-          </a:prstGeom>
-        </p:spPr>
-      </p:pic>
     </p:spTree>
     <p:extLst>
       <p:ext uri="{BB962C8B-B14F-4D97-AF65-F5344CB8AC3E}">
@@ -7956,45 +7927,105 @@
         </p:nvSpPr>
         <p:spPr/>
         <p:txBody>
-          <a:bodyPr/>
-          <a:lstStyle/>
-          <a:p>
-            <a:r>
-              <a:rPr lang="en-US" dirty="0"/>
-              <a:t>Ultrasonic Sensor</a:t>
-            </a:r>
-          </a:p>
-        </p:txBody>
-      </p:sp>
-      <p:sp>
-        <p:nvSpPr>
-          <p:cNvPr id="3" name="Title 2"/>
-          <p:cNvSpPr>
-            <a:spLocks noGrp="1"/>
-          </p:cNvSpPr>
-          <p:nvPr>
-            <p:ph type="ctrTitle"/>
-          </p:nvPr>
-        </p:nvSpPr>
-        <p:spPr/>
-        <p:txBody>
-          <a:bodyPr/>
-          <a:lstStyle/>
-          <a:p>
-            <a:pPr algn="ctr"/>
-            <a:r>
-              <a:rPr lang="en-US" dirty="0"/>
+          <a:bodyPr>
+            <a:normAutofit/>
+          </a:bodyPr>
+          <a:lstStyle/>
+          <a:p>
+            <a:r>
+              <a:rPr lang="en-US" sz="2400" dirty="0"/>
+              <a:t>EV3 Classroom: Ultrasonic Sensor</a:t>
+            </a:r>
+          </a:p>
+        </p:txBody>
+      </p:sp>
+      <p:sp>
+        <p:nvSpPr>
+          <p:cNvPr id="7" name="Title 1">
+            <a:extLst>
+              <a:ext uri="{FF2B5EF4-FFF2-40B4-BE49-F238E27FC236}">
+                <a16:creationId xmlns:a16="http://schemas.microsoft.com/office/drawing/2014/main" id="{A02A9077-59A1-B04F-9973-152CCB6D8E3E}"/>
+              </a:ext>
+            </a:extLst>
+          </p:cNvPr>
+          <p:cNvSpPr txBox="1">
+            <a:spLocks/>
+          </p:cNvSpPr>
+          <p:nvPr/>
+        </p:nvSpPr>
+        <p:spPr>
+          <a:xfrm>
+            <a:off x="4868091" y="272833"/>
+            <a:ext cx="3897684" cy="1598052"/>
+          </a:xfrm>
+          <a:prstGeom prst="rect">
+            <a:avLst/>
+          </a:prstGeom>
+        </p:spPr>
+        <p:txBody>
+          <a:bodyPr vert="horz" lIns="91440" tIns="45720" rIns="91440" bIns="45720" rtlCol="0" anchor="t" anchorCtr="0">
+            <a:noAutofit/>
+          </a:bodyPr>
+          <a:lstStyle>
+            <a:lvl1pPr algn="l" defTabSz="914400" rtl="0" eaLnBrk="1" latinLnBrk="0" hangingPunct="1">
+              <a:spcBef>
+                <a:spcPct val="0"/>
+              </a:spcBef>
+              <a:buNone/>
+              <a:defRPr sz="2800" kern="1200" cap="all" spc="-60" baseline="0">
+                <a:solidFill>
+                  <a:schemeClr val="tx2"/>
+                </a:solidFill>
+                <a:latin typeface="+mj-lt"/>
+                <a:ea typeface="+mj-ea"/>
+                <a:cs typeface="+mj-cs"/>
+              </a:defRPr>
+            </a:lvl1pPr>
+          </a:lstStyle>
+          <a:p>
+            <a:r>
+              <a:rPr lang="en-US" sz="3200"/>
               <a:t>BEGINNER PROGRAMMING LESSON</a:t>
             </a:r>
+            <a:endParaRPr lang="en-US" sz="3200" dirty="0"/>
           </a:p>
         </p:txBody>
       </p:sp>
       <p:pic>
         <p:nvPicPr>
-          <p:cNvPr id="6" name="Picture 5" descr="A close up of a sign&#10;&#10;Description automatically generated">
+          <p:cNvPr id="8" name="Picture 7" descr="A picture containing drawing&#10;&#10;Description automatically generated">
             <a:extLst>
               <a:ext uri="{FF2B5EF4-FFF2-40B4-BE49-F238E27FC236}">
-                <a16:creationId xmlns:a16="http://schemas.microsoft.com/office/drawing/2014/main" id="{61ABD9CD-3547-2D43-964F-C03B7FBCBD79}"/>
+                <a16:creationId xmlns:a16="http://schemas.microsoft.com/office/drawing/2014/main" id="{B6A92651-1CB2-6C42-89A5-086A67F454C6}"/>
+              </a:ext>
+            </a:extLst>
+          </p:cNvPr>
+          <p:cNvPicPr>
+            <a:picLocks noChangeAspect="1"/>
+          </p:cNvPicPr>
+          <p:nvPr/>
+        </p:nvPicPr>
+        <p:blipFill rotWithShape="1">
+          <a:blip r:embed="rId2"/>
+          <a:srcRect l="1617" t="7031" r="4033" b="8124"/>
+          <a:stretch/>
+        </p:blipFill>
+        <p:spPr>
+          <a:xfrm>
+            <a:off x="129863" y="209018"/>
+            <a:ext cx="4442137" cy="1673443"/>
+          </a:xfrm>
+          <a:prstGeom prst="rect">
+            <a:avLst/>
+          </a:prstGeom>
+        </p:spPr>
+      </p:pic>
+      <p:pic>
+        <p:nvPicPr>
+          <p:cNvPr id="9" name="Picture 8" descr="A close up of a sign&#10;&#10;Description automatically generated">
+            <a:extLst>
+              <a:ext uri="{FF2B5EF4-FFF2-40B4-BE49-F238E27FC236}">
+                <a16:creationId xmlns:a16="http://schemas.microsoft.com/office/drawing/2014/main" id="{ED4D8256-D2FF-DC48-A854-9FCECBB5A347}"/>
               </a:ext>
             </a:extLst>
           </p:cNvPr>
@@ -8004,15 +8035,21 @@
           <p:nvPr/>
         </p:nvPicPr>
         <p:blipFill>
-          <a:blip r:embed="rId2"/>
+          <a:blip r:embed="rId3">
+            <a:extLst>
+              <a:ext uri="{28A0092B-C50C-407E-A947-70E740481C1C}">
+                <a14:useLocalDpi xmlns:a14="http://schemas.microsoft.com/office/drawing/2010/main" val="0"/>
+              </a:ext>
+            </a:extLst>
+          </a:blip>
           <a:stretch>
             <a:fillRect/>
           </a:stretch>
         </p:blipFill>
         <p:spPr>
-          <a:xfrm rot="905751">
-            <a:off x="7428181" y="371720"/>
-            <a:ext cx="1124670" cy="1101589"/>
+          <a:xfrm>
+            <a:off x="3730120" y="4883748"/>
+            <a:ext cx="1444298" cy="1444298"/>
           </a:xfrm>
           <a:prstGeom prst="rect">
             <a:avLst/>
@@ -8318,7 +8355,7 @@
           <a:effectLst/>
           <a:extLst>
             <a:ext uri="{91240B29-F687-4f45-9708-019B960494DF}">
-              <a14:hiddenLine xmlns:a14="http://schemas.microsoft.com/office/drawing/2010/main" xmlns="" w="9525">
+              <a14:hiddenLine xmlns="" xmlns:a14="http://schemas.microsoft.com/office/drawing/2010/main" w="9525">
                 <a:solidFill>
                   <a:schemeClr val="tx1"/>
                 </a:solidFill>
@@ -8328,7 +8365,7 @@
               </a14:hiddenLine>
             </a:ext>
             <a:ext uri="{AF507438-7753-43e0-B8FC-AC1667EBCBE1}">
-              <a14:hiddenEffects xmlns:a14="http://schemas.microsoft.com/office/drawing/2010/main" xmlns="">
+              <a14:hiddenEffects xmlns="" xmlns:a14="http://schemas.microsoft.com/office/drawing/2010/main">
                 <a:effectLst>
                   <a:outerShdw dist="35921" dir="2700000" algn="ctr" rotWithShape="0">
                     <a:schemeClr val="bg2"/>
@@ -8669,7 +8706,7 @@
           <a:noFill/>
           <a:extLst>
             <a:ext uri="{909E8E84-426E-40dd-AFC4-6F175D3DCCD1}">
-              <a14:hiddenFill xmlns:a14="http://schemas.microsoft.com/office/drawing/2010/main" xmlns="">
+              <a14:hiddenFill xmlns="" xmlns:a14="http://schemas.microsoft.com/office/drawing/2010/main">
                 <a:solidFill>
                   <a:srgbClr val="FFFFFF"/>
                 </a:solidFill>
@@ -8994,7 +9031,7 @@
           <a:noFill/>
           <a:extLst>
             <a:ext uri="{909E8E84-426E-40dd-AFC4-6F175D3DCCD1}">
-              <a14:hiddenFill xmlns:a14="http://schemas.microsoft.com/office/drawing/2010/main" xmlns="">
+              <a14:hiddenFill xmlns="" xmlns:a14="http://schemas.microsoft.com/office/drawing/2010/main">
                 <a:solidFill>
                   <a:srgbClr val="FFFFFF"/>
                 </a:solidFill>
@@ -9096,6 +9133,43 @@
             <a:r>
               <a:rPr lang="en-US" sz="1100" dirty="0"/>
               <a:t>Infrared Sensor</a:t>
+            </a:r>
+          </a:p>
+        </p:txBody>
+      </p:sp>
+      <p:sp>
+        <p:nvSpPr>
+          <p:cNvPr id="9" name="TextBox 8">
+            <a:extLst>
+              <a:ext uri="{FF2B5EF4-FFF2-40B4-BE49-F238E27FC236}">
+                <a16:creationId xmlns:a16="http://schemas.microsoft.com/office/drawing/2014/main" id="{FBB30096-8A07-1149-92D9-45D6687B6B08}"/>
+              </a:ext>
+            </a:extLst>
+          </p:cNvPr>
+          <p:cNvSpPr txBox="1"/>
+          <p:nvPr/>
+        </p:nvSpPr>
+        <p:spPr>
+          <a:xfrm>
+            <a:off x="3916547" y="5801527"/>
+            <a:ext cx="1326777" cy="261610"/>
+          </a:xfrm>
+          <a:prstGeom prst="rect">
+            <a:avLst/>
+          </a:prstGeom>
+          <a:solidFill>
+            <a:schemeClr val="bg1"/>
+          </a:solidFill>
+        </p:spPr>
+        <p:txBody>
+          <a:bodyPr wrap="square" rtlCol="0">
+            <a:spAutoFit/>
+          </a:bodyPr>
+          <a:lstStyle/>
+          <a:p>
+            <a:r>
+              <a:rPr lang="en-US" sz="1100" dirty="0"/>
+              <a:t>Color Sensor</a:t>
             </a:r>
           </a:p>
         </p:txBody>
